--- a/InheritanceAndPolymorphism.pptx
+++ b/InheritanceAndPolymorphism.pptx
@@ -9,6 +9,7 @@
     <p:sldId id="257" r:id="rId3"/>
     <p:sldId id="271" r:id="rId4"/>
     <p:sldId id="260" r:id="rId5"/>
+    <p:sldId id="272" r:id="rId6"/>
   </p:sldIdLst>
   <p:sldSz cx="12192000" cy="6858000"/>
   <p:notesSz cx="6858000" cy="9144000"/>
@@ -301,7 +302,7 @@
           <a:p>
             <a:fld id="{BF5CD1AD-E05B-4A3C-8560-363D48F1C620}" type="datetimeFigureOut">
               <a:rPr lang="bg-BG" smtClean="0"/>
-              <a:t>9.11.2019 г.</a:t>
+              <a:t>10.11.2019 г.</a:t>
             </a:fld>
             <a:endParaRPr lang="bg-BG"/>
           </a:p>
@@ -576,7 +577,7 @@
           <a:p>
             <a:fld id="{BF5CD1AD-E05B-4A3C-8560-363D48F1C620}" type="datetimeFigureOut">
               <a:rPr lang="bg-BG" smtClean="0"/>
-              <a:t>9.11.2019 г.</a:t>
+              <a:t>10.11.2019 г.</a:t>
             </a:fld>
             <a:endParaRPr lang="bg-BG"/>
           </a:p>
@@ -770,7 +771,7 @@
           <a:p>
             <a:fld id="{BF5CD1AD-E05B-4A3C-8560-363D48F1C620}" type="datetimeFigureOut">
               <a:rPr lang="bg-BG" smtClean="0"/>
-              <a:t>9.11.2019 г.</a:t>
+              <a:t>10.11.2019 г.</a:t>
             </a:fld>
             <a:endParaRPr lang="bg-BG"/>
           </a:p>
@@ -1043,7 +1044,7 @@
           <a:p>
             <a:fld id="{BF5CD1AD-E05B-4A3C-8560-363D48F1C620}" type="datetimeFigureOut">
               <a:rPr lang="bg-BG" smtClean="0"/>
-              <a:t>9.11.2019 г.</a:t>
+              <a:t>10.11.2019 г.</a:t>
             </a:fld>
             <a:endParaRPr lang="bg-BG"/>
           </a:p>
@@ -1384,7 +1385,7 @@
           <a:p>
             <a:fld id="{BF5CD1AD-E05B-4A3C-8560-363D48F1C620}" type="datetimeFigureOut">
               <a:rPr lang="bg-BG" smtClean="0"/>
-              <a:t>9.11.2019 г.</a:t>
+              <a:t>10.11.2019 г.</a:t>
             </a:fld>
             <a:endParaRPr lang="bg-BG"/>
           </a:p>
@@ -2007,7 +2008,7 @@
           <a:p>
             <a:fld id="{BF5CD1AD-E05B-4A3C-8560-363D48F1C620}" type="datetimeFigureOut">
               <a:rPr lang="bg-BG" smtClean="0"/>
-              <a:t>9.11.2019 г.</a:t>
+              <a:t>10.11.2019 г.</a:t>
             </a:fld>
             <a:endParaRPr lang="bg-BG"/>
           </a:p>
@@ -2867,7 +2868,7 @@
           <a:p>
             <a:fld id="{BF5CD1AD-E05B-4A3C-8560-363D48F1C620}" type="datetimeFigureOut">
               <a:rPr lang="bg-BG" smtClean="0"/>
-              <a:t>9.11.2019 г.</a:t>
+              <a:t>10.11.2019 г.</a:t>
             </a:fld>
             <a:endParaRPr lang="bg-BG"/>
           </a:p>
@@ -3037,7 +3038,7 @@
           <a:p>
             <a:fld id="{BF5CD1AD-E05B-4A3C-8560-363D48F1C620}" type="datetimeFigureOut">
               <a:rPr lang="bg-BG" smtClean="0"/>
-              <a:t>9.11.2019 г.</a:t>
+              <a:t>10.11.2019 г.</a:t>
             </a:fld>
             <a:endParaRPr lang="bg-BG"/>
           </a:p>
@@ -3217,7 +3218,7 @@
           <a:p>
             <a:fld id="{BF5CD1AD-E05B-4A3C-8560-363D48F1C620}" type="datetimeFigureOut">
               <a:rPr lang="bg-BG" smtClean="0"/>
-              <a:t>9.11.2019 г.</a:t>
+              <a:t>10.11.2019 г.</a:t>
             </a:fld>
             <a:endParaRPr lang="bg-BG"/>
           </a:p>
@@ -3387,7 +3388,7 @@
           <a:p>
             <a:fld id="{BF5CD1AD-E05B-4A3C-8560-363D48F1C620}" type="datetimeFigureOut">
               <a:rPr lang="bg-BG" smtClean="0"/>
-              <a:t>9.11.2019 г.</a:t>
+              <a:t>10.11.2019 г.</a:t>
             </a:fld>
             <a:endParaRPr lang="bg-BG"/>
           </a:p>
@@ -3634,7 +3635,7 @@
           <a:p>
             <a:fld id="{BF5CD1AD-E05B-4A3C-8560-363D48F1C620}" type="datetimeFigureOut">
               <a:rPr lang="bg-BG" smtClean="0"/>
-              <a:t>9.11.2019 г.</a:t>
+              <a:t>10.11.2019 г.</a:t>
             </a:fld>
             <a:endParaRPr lang="bg-BG"/>
           </a:p>
@@ -3926,7 +3927,7 @@
           <a:p>
             <a:fld id="{BF5CD1AD-E05B-4A3C-8560-363D48F1C620}" type="datetimeFigureOut">
               <a:rPr lang="bg-BG" smtClean="0"/>
-              <a:t>9.11.2019 г.</a:t>
+              <a:t>10.11.2019 г.</a:t>
             </a:fld>
             <a:endParaRPr lang="bg-BG"/>
           </a:p>
@@ -4370,7 +4371,7 @@
           <a:p>
             <a:fld id="{BF5CD1AD-E05B-4A3C-8560-363D48F1C620}" type="datetimeFigureOut">
               <a:rPr lang="bg-BG" smtClean="0"/>
-              <a:t>9.11.2019 г.</a:t>
+              <a:t>10.11.2019 г.</a:t>
             </a:fld>
             <a:endParaRPr lang="bg-BG"/>
           </a:p>
@@ -4488,7 +4489,7 @@
           <a:p>
             <a:fld id="{BF5CD1AD-E05B-4A3C-8560-363D48F1C620}" type="datetimeFigureOut">
               <a:rPr lang="bg-BG" smtClean="0"/>
-              <a:t>9.11.2019 г.</a:t>
+              <a:t>10.11.2019 г.</a:t>
             </a:fld>
             <a:endParaRPr lang="bg-BG"/>
           </a:p>
@@ -4583,7 +4584,7 @@
           <a:p>
             <a:fld id="{BF5CD1AD-E05B-4A3C-8560-363D48F1C620}" type="datetimeFigureOut">
               <a:rPr lang="bg-BG" smtClean="0"/>
-              <a:t>9.11.2019 г.</a:t>
+              <a:t>10.11.2019 г.</a:t>
             </a:fld>
             <a:endParaRPr lang="bg-BG"/>
           </a:p>
@@ -4862,7 +4863,7 @@
           <a:p>
             <a:fld id="{BF5CD1AD-E05B-4A3C-8560-363D48F1C620}" type="datetimeFigureOut">
               <a:rPr lang="bg-BG" smtClean="0"/>
-              <a:t>9.11.2019 г.</a:t>
+              <a:t>10.11.2019 г.</a:t>
             </a:fld>
             <a:endParaRPr lang="bg-BG"/>
           </a:p>
@@ -5137,7 +5138,7 @@
           <a:p>
             <a:fld id="{BF5CD1AD-E05B-4A3C-8560-363D48F1C620}" type="datetimeFigureOut">
               <a:rPr lang="bg-BG" smtClean="0"/>
-              <a:t>9.11.2019 г.</a:t>
+              <a:t>10.11.2019 г.</a:t>
             </a:fld>
             <a:endParaRPr lang="bg-BG"/>
           </a:p>
@@ -5566,7 +5567,7 @@
           <a:p>
             <a:fld id="{BF5CD1AD-E05B-4A3C-8560-363D48F1C620}" type="datetimeFigureOut">
               <a:rPr lang="bg-BG" smtClean="0"/>
-              <a:t>9.11.2019 г.</a:t>
+              <a:t>10.11.2019 г.</a:t>
             </a:fld>
             <a:endParaRPr lang="bg-BG"/>
           </a:p>
@@ -6265,6 +6266,13 @@
   <p:clrMapOvr>
     <a:masterClrMapping/>
   </p:clrMapOvr>
+  <p:timing>
+    <p:tnLst>
+      <p:par>
+        <p:cTn id="1" dur="indefinite" restart="never" nodeType="tmRoot"/>
+      </p:par>
+    </p:tnLst>
+  </p:timing>
 </p:sld>
 </file>
 
@@ -6333,6 +6341,850 @@
     <p:extLst>
       <p:ext uri="{BB962C8B-B14F-4D97-AF65-F5344CB8AC3E}">
         <p14:creationId xmlns:p14="http://schemas.microsoft.com/office/powerpoint/2010/main" val="2957996410"/>
+      </p:ext>
+    </p:extLst>
+  </p:cSld>
+  <p:clrMapOvr>
+    <a:masterClrMapping/>
+  </p:clrMapOvr>
+  <p:timing>
+    <p:tnLst>
+      <p:par>
+        <p:cTn id="1" dur="indefinite" restart="never" nodeType="tmRoot"/>
+      </p:par>
+    </p:tnLst>
+  </p:timing>
+</p:sld>
+</file>
+
+<file path=ppt/slides/slide5.xml><?xml version="1.0" encoding="utf-8"?>
+<p:sld xmlns:a="http://schemas.openxmlformats.org/drawingml/2006/main" xmlns:r="http://schemas.openxmlformats.org/officeDocument/2006/relationships" xmlns:p="http://schemas.openxmlformats.org/presentationml/2006/main">
+  <p:cSld>
+    <p:spTree>
+      <p:nvGrpSpPr>
+        <p:cNvPr id="1" name=""/>
+        <p:cNvGrpSpPr/>
+        <p:nvPr/>
+      </p:nvGrpSpPr>
+      <p:grpSpPr>
+        <a:xfrm>
+          <a:off x="0" y="0"/>
+          <a:ext cx="0" cy="0"/>
+          <a:chOff x="0" y="0"/>
+          <a:chExt cx="0" cy="0"/>
+        </a:xfrm>
+      </p:grpSpPr>
+      <p:sp>
+        <p:nvSpPr>
+          <p:cNvPr id="2" name="Rectangle 1"/>
+          <p:cNvSpPr/>
+          <p:nvPr/>
+        </p:nvSpPr>
+        <p:spPr>
+          <a:xfrm>
+            <a:off x="714103" y="397401"/>
+            <a:ext cx="9178834" cy="4770537"/>
+          </a:xfrm>
+          <a:prstGeom prst="rect">
+            <a:avLst/>
+          </a:prstGeom>
+        </p:spPr>
+        <p:txBody>
+          <a:bodyPr wrap="square">
+            <a:spAutoFit/>
+          </a:bodyPr>
+          <a:lstStyle/>
+          <a:p>
+            <a:pPr algn="just">
+              <a:spcBef>
+                <a:spcPts val="600"/>
+              </a:spcBef>
+              <a:spcAft>
+                <a:spcPts val="0"/>
+              </a:spcAft>
+            </a:pPr>
+            <a:r>
+              <a:rPr lang="ru-RU" sz="2100" b="1" dirty="0" err="1">
+                <a:latin typeface="Verdana" panose="020B0604030504040204" pitchFamily="34" charset="0"/>
+              </a:rPr>
+              <a:t>Полиморфизмът</a:t>
+            </a:r>
+            <a:r>
+              <a:rPr lang="ru-RU" sz="2100" dirty="0">
+                <a:latin typeface="Verdana" panose="020B0604030504040204" pitchFamily="34" charset="0"/>
+              </a:rPr>
+              <a:t> </a:t>
+            </a:r>
+            <a:r>
+              <a:rPr lang="ru-RU" sz="2100" dirty="0" err="1">
+                <a:latin typeface="Verdana" panose="020B0604030504040204" pitchFamily="34" charset="0"/>
+              </a:rPr>
+              <a:t>позволява</a:t>
+            </a:r>
+            <a:r>
+              <a:rPr lang="ru-RU" sz="2100" dirty="0">
+                <a:latin typeface="Verdana" panose="020B0604030504040204" pitchFamily="34" charset="0"/>
+              </a:rPr>
+              <a:t> </a:t>
+            </a:r>
+            <a:r>
+              <a:rPr lang="ru-RU" sz="2100" dirty="0" err="1">
+                <a:latin typeface="Verdana" panose="020B0604030504040204" pitchFamily="34" charset="0"/>
+              </a:rPr>
+              <a:t>третирането</a:t>
+            </a:r>
+            <a:r>
+              <a:rPr lang="ru-RU" sz="2100" dirty="0">
+                <a:latin typeface="Verdana" panose="020B0604030504040204" pitchFamily="34" charset="0"/>
+              </a:rPr>
+              <a:t> на </a:t>
+            </a:r>
+            <a:r>
+              <a:rPr lang="ru-RU" sz="2100" dirty="0" err="1">
+                <a:latin typeface="Verdana" panose="020B0604030504040204" pitchFamily="34" charset="0"/>
+              </a:rPr>
+              <a:t>обекти</a:t>
+            </a:r>
+            <a:r>
+              <a:rPr lang="ru-RU" sz="2100" dirty="0">
+                <a:latin typeface="Verdana" panose="020B0604030504040204" pitchFamily="34" charset="0"/>
+              </a:rPr>
+              <a:t> от </a:t>
+            </a:r>
+            <a:r>
+              <a:rPr lang="ru-RU" sz="2100" dirty="0" err="1">
+                <a:latin typeface="Verdana" panose="020B0604030504040204" pitchFamily="34" charset="0"/>
+              </a:rPr>
+              <a:t>наследен</a:t>
+            </a:r>
+            <a:r>
+              <a:rPr lang="ru-RU" sz="2100" dirty="0">
+                <a:latin typeface="Verdana" panose="020B0604030504040204" pitchFamily="34" charset="0"/>
+              </a:rPr>
+              <a:t> </a:t>
+            </a:r>
+            <a:r>
+              <a:rPr lang="ru-RU" sz="2100" dirty="0" err="1">
+                <a:latin typeface="Verdana" panose="020B0604030504040204" pitchFamily="34" charset="0"/>
+              </a:rPr>
+              <a:t>клас</a:t>
+            </a:r>
+            <a:r>
+              <a:rPr lang="ru-RU" sz="2100" dirty="0">
+                <a:latin typeface="Verdana" panose="020B0604030504040204" pitchFamily="34" charset="0"/>
+              </a:rPr>
+              <a:t> </a:t>
+            </a:r>
+            <a:r>
+              <a:rPr lang="ru-RU" sz="2100" dirty="0" err="1">
+                <a:latin typeface="Verdana" panose="020B0604030504040204" pitchFamily="34" charset="0"/>
+              </a:rPr>
+              <a:t>като</a:t>
+            </a:r>
+            <a:r>
+              <a:rPr lang="ru-RU" sz="2100" dirty="0">
+                <a:latin typeface="Verdana" panose="020B0604030504040204" pitchFamily="34" charset="0"/>
+              </a:rPr>
+              <a:t> </a:t>
+            </a:r>
+            <a:r>
+              <a:rPr lang="ru-RU" sz="2100" dirty="0" err="1">
+                <a:latin typeface="Verdana" panose="020B0604030504040204" pitchFamily="34" charset="0"/>
+              </a:rPr>
+              <a:t>обекти</a:t>
+            </a:r>
+            <a:r>
+              <a:rPr lang="ru-RU" sz="2100" dirty="0">
+                <a:latin typeface="Verdana" panose="020B0604030504040204" pitchFamily="34" charset="0"/>
+              </a:rPr>
+              <a:t> от </a:t>
+            </a:r>
+            <a:r>
+              <a:rPr lang="ru-RU" sz="2100" dirty="0" err="1">
+                <a:latin typeface="Verdana" panose="020B0604030504040204" pitchFamily="34" charset="0"/>
+              </a:rPr>
+              <a:t>негов</a:t>
+            </a:r>
+            <a:r>
+              <a:rPr lang="ru-RU" sz="2100" dirty="0">
+                <a:latin typeface="Verdana" panose="020B0604030504040204" pitchFamily="34" charset="0"/>
+              </a:rPr>
+              <a:t> базов </a:t>
+            </a:r>
+            <a:r>
+              <a:rPr lang="ru-RU" sz="2100" dirty="0" err="1">
+                <a:latin typeface="Verdana" panose="020B0604030504040204" pitchFamily="34" charset="0"/>
+              </a:rPr>
+              <a:t>клас</a:t>
+            </a:r>
+            <a:r>
+              <a:rPr lang="ru-RU" sz="2100" dirty="0">
+                <a:latin typeface="Verdana" panose="020B0604030504040204" pitchFamily="34" charset="0"/>
+              </a:rPr>
+              <a:t>. Например </a:t>
+            </a:r>
+            <a:r>
+              <a:rPr lang="ru-RU" sz="2100" dirty="0" err="1">
+                <a:latin typeface="Verdana" panose="020B0604030504040204" pitchFamily="34" charset="0"/>
+              </a:rPr>
+              <a:t>големите</a:t>
+            </a:r>
+            <a:r>
+              <a:rPr lang="ru-RU" sz="2100" dirty="0">
+                <a:latin typeface="Verdana" panose="020B0604030504040204" pitchFamily="34" charset="0"/>
+              </a:rPr>
+              <a:t> </a:t>
+            </a:r>
+            <a:r>
+              <a:rPr lang="ru-RU" sz="2100" dirty="0" err="1">
+                <a:latin typeface="Verdana" panose="020B0604030504040204" pitchFamily="34" charset="0"/>
+              </a:rPr>
+              <a:t>котки</a:t>
+            </a:r>
+            <a:r>
+              <a:rPr lang="ru-RU" sz="2100" dirty="0">
+                <a:latin typeface="Verdana" panose="020B0604030504040204" pitchFamily="34" charset="0"/>
+              </a:rPr>
+              <a:t> (базов </a:t>
+            </a:r>
+            <a:r>
+              <a:rPr lang="ru-RU" sz="2100" dirty="0" err="1">
+                <a:latin typeface="Verdana" panose="020B0604030504040204" pitchFamily="34" charset="0"/>
+              </a:rPr>
+              <a:t>клас</a:t>
+            </a:r>
+            <a:r>
+              <a:rPr lang="ru-RU" sz="2100" dirty="0">
+                <a:latin typeface="Verdana" panose="020B0604030504040204" pitchFamily="34" charset="0"/>
+              </a:rPr>
+              <a:t>) </a:t>
+            </a:r>
+            <a:r>
+              <a:rPr lang="ru-RU" sz="2100" dirty="0" err="1">
+                <a:latin typeface="Verdana" panose="020B0604030504040204" pitchFamily="34" charset="0"/>
+              </a:rPr>
+              <a:t>хващат</a:t>
+            </a:r>
+            <a:r>
+              <a:rPr lang="ru-RU" sz="2100" dirty="0">
+                <a:latin typeface="Verdana" panose="020B0604030504040204" pitchFamily="34" charset="0"/>
+              </a:rPr>
+              <a:t> </a:t>
+            </a:r>
+            <a:r>
+              <a:rPr lang="ru-RU" sz="2100" dirty="0" err="1">
+                <a:latin typeface="Verdana" panose="020B0604030504040204" pitchFamily="34" charset="0"/>
+              </a:rPr>
+              <a:t>жертвите</a:t>
+            </a:r>
+            <a:r>
+              <a:rPr lang="ru-RU" sz="2100" dirty="0">
+                <a:latin typeface="Verdana" panose="020B0604030504040204" pitchFamily="34" charset="0"/>
+              </a:rPr>
+              <a:t> си (метод) по различен начин. </a:t>
+            </a:r>
+            <a:r>
+              <a:rPr lang="ru-RU" sz="2100" dirty="0" err="1">
+                <a:latin typeface="Verdana" panose="020B0604030504040204" pitchFamily="34" charset="0"/>
+              </a:rPr>
+              <a:t>Лъвът</a:t>
+            </a:r>
+            <a:r>
+              <a:rPr lang="ru-RU" sz="2100" dirty="0">
+                <a:latin typeface="Verdana" panose="020B0604030504040204" pitchFamily="34" charset="0"/>
+              </a:rPr>
+              <a:t> (</a:t>
+            </a:r>
+            <a:r>
+              <a:rPr lang="ru-RU" sz="2100" dirty="0" err="1">
+                <a:latin typeface="Verdana" panose="020B0604030504040204" pitchFamily="34" charset="0"/>
+              </a:rPr>
+              <a:t>клас</a:t>
+            </a:r>
+            <a:r>
+              <a:rPr lang="ru-RU" sz="2100" dirty="0">
+                <a:latin typeface="Verdana" panose="020B0604030504040204" pitchFamily="34" charset="0"/>
+              </a:rPr>
+              <a:t> наследник) </a:t>
+            </a:r>
+            <a:r>
+              <a:rPr lang="ru-RU" sz="2100" dirty="0" err="1">
+                <a:latin typeface="Verdana" panose="020B0604030504040204" pitchFamily="34" charset="0"/>
+              </a:rPr>
+              <a:t>ги</a:t>
+            </a:r>
+            <a:r>
+              <a:rPr lang="ru-RU" sz="2100" dirty="0">
+                <a:latin typeface="Verdana" panose="020B0604030504040204" pitchFamily="34" charset="0"/>
+              </a:rPr>
+              <a:t> </a:t>
+            </a:r>
+            <a:r>
+              <a:rPr lang="ru-RU" sz="2100" dirty="0" err="1">
+                <a:latin typeface="Verdana" panose="020B0604030504040204" pitchFamily="34" charset="0"/>
+              </a:rPr>
+              <a:t>дебне</a:t>
+            </a:r>
+            <a:r>
+              <a:rPr lang="ru-RU" sz="2100" dirty="0">
+                <a:latin typeface="Verdana" panose="020B0604030504040204" pitchFamily="34" charset="0"/>
+              </a:rPr>
+              <a:t>, </a:t>
+            </a:r>
+            <a:r>
+              <a:rPr lang="ru-RU" sz="2100" dirty="0" err="1">
+                <a:latin typeface="Verdana" panose="020B0604030504040204" pitchFamily="34" charset="0"/>
+              </a:rPr>
+              <a:t>докато</a:t>
+            </a:r>
+            <a:r>
+              <a:rPr lang="ru-RU" sz="2100" dirty="0">
+                <a:latin typeface="Verdana" panose="020B0604030504040204" pitchFamily="34" charset="0"/>
+              </a:rPr>
+              <a:t> </a:t>
+            </a:r>
+            <a:r>
+              <a:rPr lang="ru-RU" sz="2100" dirty="0" err="1">
+                <a:latin typeface="Verdana" panose="020B0604030504040204" pitchFamily="34" charset="0"/>
+              </a:rPr>
+              <a:t>Гепардът</a:t>
+            </a:r>
+            <a:r>
+              <a:rPr lang="ru-RU" sz="2100" dirty="0">
+                <a:latin typeface="Verdana" panose="020B0604030504040204" pitchFamily="34" charset="0"/>
+              </a:rPr>
+              <a:t> (друг </a:t>
+            </a:r>
+            <a:r>
+              <a:rPr lang="ru-RU" sz="2100" dirty="0" err="1">
+                <a:latin typeface="Verdana" panose="020B0604030504040204" pitchFamily="34" charset="0"/>
+              </a:rPr>
+              <a:t>клас</a:t>
+            </a:r>
+            <a:r>
+              <a:rPr lang="ru-RU" sz="2100" dirty="0">
+                <a:latin typeface="Verdana" panose="020B0604030504040204" pitchFamily="34" charset="0"/>
+              </a:rPr>
+              <a:t>-наследник) просто </a:t>
+            </a:r>
+            <a:r>
+              <a:rPr lang="ru-RU" sz="2100" dirty="0" err="1">
+                <a:latin typeface="Verdana" panose="020B0604030504040204" pitchFamily="34" charset="0"/>
+              </a:rPr>
+              <a:t>ги</a:t>
+            </a:r>
+            <a:r>
+              <a:rPr lang="ru-RU" sz="2100" dirty="0">
+                <a:latin typeface="Verdana" panose="020B0604030504040204" pitchFamily="34" charset="0"/>
+              </a:rPr>
+              <a:t> </a:t>
+            </a:r>
+            <a:r>
+              <a:rPr lang="ru-RU" sz="2100" dirty="0" err="1">
+                <a:latin typeface="Verdana" panose="020B0604030504040204" pitchFamily="34" charset="0"/>
+              </a:rPr>
+              <a:t>надбягва</a:t>
+            </a:r>
+            <a:r>
+              <a:rPr lang="ru-RU" sz="2100" dirty="0">
+                <a:latin typeface="Verdana" panose="020B0604030504040204" pitchFamily="34" charset="0"/>
+              </a:rPr>
+              <a:t>.</a:t>
+            </a:r>
+            <a:endParaRPr lang="ru-RU" sz="2100" dirty="0"/>
+          </a:p>
+          <a:p>
+            <a:pPr algn="just">
+              <a:spcBef>
+                <a:spcPts val="600"/>
+              </a:spcBef>
+              <a:spcAft>
+                <a:spcPts val="0"/>
+              </a:spcAft>
+            </a:pPr>
+            <a:r>
+              <a:rPr lang="ru-RU" sz="2100" dirty="0" err="1">
+                <a:latin typeface="Verdana" panose="020B0604030504040204" pitchFamily="34" charset="0"/>
+              </a:rPr>
+              <a:t>Полиморфизмът</a:t>
+            </a:r>
+            <a:r>
+              <a:rPr lang="ru-RU" sz="2100" dirty="0">
+                <a:latin typeface="Verdana" panose="020B0604030504040204" pitchFamily="34" charset="0"/>
+              </a:rPr>
+              <a:t> </a:t>
+            </a:r>
+            <a:r>
+              <a:rPr lang="ru-RU" sz="2100" dirty="0" err="1">
+                <a:latin typeface="Verdana" panose="020B0604030504040204" pitchFamily="34" charset="0"/>
+              </a:rPr>
+              <a:t>дава</a:t>
+            </a:r>
+            <a:r>
+              <a:rPr lang="ru-RU" sz="2100" dirty="0">
+                <a:latin typeface="Verdana" panose="020B0604030504040204" pitchFamily="34" charset="0"/>
+              </a:rPr>
+              <a:t> </a:t>
+            </a:r>
+            <a:r>
+              <a:rPr lang="ru-RU" sz="2100" dirty="0" err="1">
+                <a:latin typeface="Verdana" panose="020B0604030504040204" pitchFamily="34" charset="0"/>
+              </a:rPr>
+              <a:t>възможността</a:t>
+            </a:r>
+            <a:r>
+              <a:rPr lang="ru-RU" sz="2100" dirty="0">
+                <a:latin typeface="Verdana" panose="020B0604030504040204" pitchFamily="34" charset="0"/>
+              </a:rPr>
+              <a:t> да </a:t>
+            </a:r>
+            <a:r>
+              <a:rPr lang="ru-RU" sz="2100" dirty="0" err="1">
+                <a:latin typeface="Verdana" panose="020B0604030504040204" pitchFamily="34" charset="0"/>
+              </a:rPr>
+              <a:t>третираме</a:t>
+            </a:r>
+            <a:r>
+              <a:rPr lang="ru-RU" sz="2100" dirty="0">
+                <a:latin typeface="Verdana" panose="020B0604030504040204" pitchFamily="34" charset="0"/>
+              </a:rPr>
+              <a:t> </a:t>
+            </a:r>
+            <a:r>
+              <a:rPr lang="ru-RU" sz="2100" dirty="0" err="1">
+                <a:latin typeface="Verdana" panose="020B0604030504040204" pitchFamily="34" charset="0"/>
+              </a:rPr>
+              <a:t>произволна</a:t>
+            </a:r>
+            <a:r>
+              <a:rPr lang="ru-RU" sz="2100" dirty="0">
+                <a:latin typeface="Verdana" panose="020B0604030504040204" pitchFamily="34" charset="0"/>
+              </a:rPr>
+              <a:t> </a:t>
+            </a:r>
+            <a:r>
+              <a:rPr lang="ru-RU" sz="2100" dirty="0" err="1">
+                <a:latin typeface="Verdana" panose="020B0604030504040204" pitchFamily="34" charset="0"/>
+              </a:rPr>
+              <a:t>голяма</a:t>
+            </a:r>
+            <a:r>
+              <a:rPr lang="ru-RU" sz="2100" dirty="0">
+                <a:latin typeface="Verdana" panose="020B0604030504040204" pitchFamily="34" charset="0"/>
+              </a:rPr>
+              <a:t> </a:t>
+            </a:r>
+            <a:r>
+              <a:rPr lang="ru-RU" sz="2100" dirty="0" err="1">
+                <a:latin typeface="Verdana" panose="020B0604030504040204" pitchFamily="34" charset="0"/>
+              </a:rPr>
+              <a:t>котка</a:t>
+            </a:r>
+            <a:r>
+              <a:rPr lang="ru-RU" sz="2100" dirty="0">
+                <a:latin typeface="Verdana" panose="020B0604030504040204" pitchFamily="34" charset="0"/>
+              </a:rPr>
+              <a:t> просто </a:t>
+            </a:r>
+            <a:r>
+              <a:rPr lang="ru-RU" sz="2100" dirty="0" err="1">
+                <a:latin typeface="Verdana" panose="020B0604030504040204" pitchFamily="34" charset="0"/>
+              </a:rPr>
+              <a:t>като</a:t>
+            </a:r>
+            <a:r>
+              <a:rPr lang="ru-RU" sz="2100" dirty="0">
+                <a:latin typeface="Verdana" panose="020B0604030504040204" pitchFamily="34" charset="0"/>
+              </a:rPr>
+              <a:t> </a:t>
+            </a:r>
+            <a:r>
+              <a:rPr lang="ru-RU" sz="2100" dirty="0" err="1">
+                <a:latin typeface="Verdana" panose="020B0604030504040204" pitchFamily="34" charset="0"/>
+              </a:rPr>
+              <a:t>голяма</a:t>
+            </a:r>
+            <a:r>
+              <a:rPr lang="ru-RU" sz="2100" dirty="0">
+                <a:latin typeface="Verdana" panose="020B0604030504040204" pitchFamily="34" charset="0"/>
+              </a:rPr>
+              <a:t> </a:t>
+            </a:r>
+            <a:r>
+              <a:rPr lang="ru-RU" sz="2100" dirty="0" err="1">
+                <a:latin typeface="Verdana" panose="020B0604030504040204" pitchFamily="34" charset="0"/>
+              </a:rPr>
+              <a:t>котка</a:t>
+            </a:r>
+            <a:r>
+              <a:rPr lang="ru-RU" sz="2100" dirty="0">
+                <a:latin typeface="Verdana" panose="020B0604030504040204" pitchFamily="34" charset="0"/>
+              </a:rPr>
+              <a:t> и да кажем "</a:t>
+            </a:r>
+            <a:r>
+              <a:rPr lang="ru-RU" sz="2100" dirty="0" err="1">
+                <a:latin typeface="Verdana" panose="020B0604030504040204" pitchFamily="34" charset="0"/>
+              </a:rPr>
+              <a:t>хвани</a:t>
+            </a:r>
+            <a:r>
+              <a:rPr lang="ru-RU" sz="2100" dirty="0">
+                <a:latin typeface="Verdana" panose="020B0604030504040204" pitchFamily="34" charset="0"/>
+              </a:rPr>
+              <a:t> </a:t>
+            </a:r>
+            <a:r>
+              <a:rPr lang="ru-RU" sz="2100" dirty="0" err="1">
+                <a:latin typeface="Verdana" panose="020B0604030504040204" pitchFamily="34" charset="0"/>
+              </a:rPr>
+              <a:t>жертвата</a:t>
+            </a:r>
+            <a:r>
+              <a:rPr lang="ru-RU" sz="2100" dirty="0">
+                <a:latin typeface="Verdana" panose="020B0604030504040204" pitchFamily="34" charset="0"/>
+              </a:rPr>
+              <a:t> си", без значение </a:t>
+            </a:r>
+            <a:r>
+              <a:rPr lang="ru-RU" sz="2100" dirty="0" err="1">
+                <a:latin typeface="Verdana" panose="020B0604030504040204" pitchFamily="34" charset="0"/>
+              </a:rPr>
+              <a:t>каква</a:t>
+            </a:r>
+            <a:r>
+              <a:rPr lang="ru-RU" sz="2100" dirty="0">
+                <a:latin typeface="Verdana" panose="020B0604030504040204" pitchFamily="34" charset="0"/>
+              </a:rPr>
+              <a:t> точно е </a:t>
+            </a:r>
+            <a:r>
+              <a:rPr lang="ru-RU" sz="2100" dirty="0" err="1">
+                <a:latin typeface="Verdana" panose="020B0604030504040204" pitchFamily="34" charset="0"/>
+              </a:rPr>
+              <a:t>голямата</a:t>
+            </a:r>
+            <a:r>
+              <a:rPr lang="ru-RU" sz="2100" dirty="0">
+                <a:latin typeface="Verdana" panose="020B0604030504040204" pitchFamily="34" charset="0"/>
+              </a:rPr>
+              <a:t> </a:t>
+            </a:r>
+            <a:r>
+              <a:rPr lang="ru-RU" sz="2100" dirty="0" err="1">
+                <a:latin typeface="Verdana" panose="020B0604030504040204" pitchFamily="34" charset="0"/>
+              </a:rPr>
+              <a:t>котка</a:t>
+            </a:r>
+            <a:r>
+              <a:rPr lang="ru-RU" sz="2100" dirty="0">
+                <a:latin typeface="Verdana" panose="020B0604030504040204" pitchFamily="34" charset="0"/>
+              </a:rPr>
+              <a:t>.</a:t>
+            </a:r>
+            <a:endParaRPr lang="ru-RU" sz="2100" dirty="0"/>
+          </a:p>
+          <a:p>
+            <a:pPr algn="just">
+              <a:spcBef>
+                <a:spcPts val="600"/>
+              </a:spcBef>
+              <a:spcAft>
+                <a:spcPts val="0"/>
+              </a:spcAft>
+            </a:pPr>
+            <a:r>
+              <a:rPr lang="ru-RU" sz="2100" dirty="0" err="1">
+                <a:latin typeface="Verdana" panose="020B0604030504040204" pitchFamily="34" charset="0"/>
+              </a:rPr>
+              <a:t>Полиморфизмът</a:t>
+            </a:r>
+            <a:r>
+              <a:rPr lang="ru-RU" sz="2100" dirty="0">
+                <a:latin typeface="Verdana" panose="020B0604030504040204" pitchFamily="34" charset="0"/>
+              </a:rPr>
+              <a:t> </a:t>
+            </a:r>
+            <a:r>
+              <a:rPr lang="ru-RU" sz="2100" dirty="0" err="1">
+                <a:latin typeface="Verdana" panose="020B0604030504040204" pitchFamily="34" charset="0"/>
+              </a:rPr>
+              <a:t>може</a:t>
+            </a:r>
+            <a:r>
+              <a:rPr lang="ru-RU" sz="2100" dirty="0">
+                <a:latin typeface="Verdana" panose="020B0604030504040204" pitchFamily="34" charset="0"/>
+              </a:rPr>
+              <a:t> много да </a:t>
+            </a:r>
+            <a:r>
+              <a:rPr lang="ru-RU" sz="2100" dirty="0" err="1">
+                <a:latin typeface="Verdana" panose="020B0604030504040204" pitchFamily="34" charset="0"/>
+              </a:rPr>
+              <a:t>напомня</a:t>
+            </a:r>
+            <a:r>
+              <a:rPr lang="ru-RU" sz="2100" dirty="0">
+                <a:latin typeface="Verdana" panose="020B0604030504040204" pitchFamily="34" charset="0"/>
+              </a:rPr>
+              <a:t> на </a:t>
+            </a:r>
+            <a:r>
+              <a:rPr lang="ru-RU" sz="2100" dirty="0" err="1">
+                <a:latin typeface="Verdana" panose="020B0604030504040204" pitchFamily="34" charset="0"/>
+              </a:rPr>
+              <a:t>абстракцията</a:t>
+            </a:r>
+            <a:r>
+              <a:rPr lang="ru-RU" sz="2100" dirty="0">
+                <a:latin typeface="Verdana" panose="020B0604030504040204" pitchFamily="34" charset="0"/>
+              </a:rPr>
+              <a:t>, но в </a:t>
+            </a:r>
+            <a:r>
+              <a:rPr lang="ru-RU" sz="2100" dirty="0" err="1">
+                <a:latin typeface="Verdana" panose="020B0604030504040204" pitchFamily="34" charset="0"/>
+              </a:rPr>
+              <a:t>програми­рането</a:t>
+            </a:r>
+            <a:r>
+              <a:rPr lang="ru-RU" sz="2100" dirty="0">
+                <a:latin typeface="Verdana" panose="020B0604030504040204" pitchFamily="34" charset="0"/>
+              </a:rPr>
+              <a:t> се </a:t>
+            </a:r>
+            <a:r>
+              <a:rPr lang="ru-RU" sz="2100" dirty="0" err="1">
+                <a:latin typeface="Verdana" panose="020B0604030504040204" pitchFamily="34" charset="0"/>
+              </a:rPr>
+              <a:t>свързва</a:t>
+            </a:r>
+            <a:r>
+              <a:rPr lang="ru-RU" sz="2100" dirty="0">
+                <a:latin typeface="Verdana" panose="020B0604030504040204" pitchFamily="34" charset="0"/>
+              </a:rPr>
+              <a:t> </a:t>
+            </a:r>
+            <a:r>
+              <a:rPr lang="ru-RU" sz="2100" dirty="0" err="1">
+                <a:latin typeface="Verdana" panose="020B0604030504040204" pitchFamily="34" charset="0"/>
+              </a:rPr>
+              <a:t>най</a:t>
+            </a:r>
+            <a:r>
+              <a:rPr lang="ru-RU" sz="2100" dirty="0">
+                <a:latin typeface="Verdana" panose="020B0604030504040204" pitchFamily="34" charset="0"/>
+              </a:rPr>
+              <a:t>-вече с </a:t>
+            </a:r>
+            <a:r>
+              <a:rPr lang="ru-RU" sz="2100" dirty="0" err="1">
+                <a:latin typeface="Verdana" panose="020B0604030504040204" pitchFamily="34" charset="0"/>
+              </a:rPr>
+              <a:t>пренаписването</a:t>
+            </a:r>
+            <a:r>
+              <a:rPr lang="ru-RU" sz="2100" dirty="0">
+                <a:latin typeface="Verdana" panose="020B0604030504040204" pitchFamily="34" charset="0"/>
+              </a:rPr>
+              <a:t> (</a:t>
+            </a:r>
+            <a:r>
+              <a:rPr lang="ru-RU" sz="2100" dirty="0" err="1">
+                <a:latin typeface="Verdana" panose="020B0604030504040204" pitchFamily="34" charset="0"/>
+              </a:rPr>
+              <a:t>override</a:t>
+            </a:r>
+            <a:r>
+              <a:rPr lang="ru-RU" sz="2100" dirty="0">
+                <a:latin typeface="Verdana" panose="020B0604030504040204" pitchFamily="34" charset="0"/>
+              </a:rPr>
+              <a:t>) на </a:t>
+            </a:r>
+            <a:r>
+              <a:rPr lang="ru-RU" sz="2100" dirty="0" err="1">
+                <a:latin typeface="Verdana" panose="020B0604030504040204" pitchFamily="34" charset="0"/>
+              </a:rPr>
+              <a:t>методи</a:t>
+            </a:r>
+            <a:r>
+              <a:rPr lang="ru-RU" sz="2100" b="1" dirty="0">
+                <a:latin typeface="Verdana" panose="020B0604030504040204" pitchFamily="34" charset="0"/>
+              </a:rPr>
+              <a:t> </a:t>
+            </a:r>
+            <a:r>
+              <a:rPr lang="ru-RU" sz="2100" dirty="0">
+                <a:latin typeface="Verdana" panose="020B0604030504040204" pitchFamily="34" charset="0"/>
+              </a:rPr>
+              <a:t>в </a:t>
+            </a:r>
+            <a:r>
+              <a:rPr lang="ru-RU" sz="2100" dirty="0" err="1">
+                <a:latin typeface="Verdana" panose="020B0604030504040204" pitchFamily="34" charset="0"/>
+              </a:rPr>
+              <a:t>нас­ледените</a:t>
+            </a:r>
+            <a:r>
+              <a:rPr lang="ru-RU" sz="2100" dirty="0">
+                <a:latin typeface="Verdana" panose="020B0604030504040204" pitchFamily="34" charset="0"/>
+              </a:rPr>
+              <a:t> </a:t>
+            </a:r>
+            <a:r>
+              <a:rPr lang="ru-RU" sz="2100" dirty="0" err="1">
+                <a:latin typeface="Verdana" panose="020B0604030504040204" pitchFamily="34" charset="0"/>
+              </a:rPr>
+              <a:t>класове</a:t>
+            </a:r>
+            <a:r>
+              <a:rPr lang="ru-RU" sz="2100" dirty="0">
+                <a:latin typeface="Verdana" panose="020B0604030504040204" pitchFamily="34" charset="0"/>
+              </a:rPr>
+              <a:t> с цел </a:t>
+            </a:r>
+            <a:r>
+              <a:rPr lang="ru-RU" sz="2100" dirty="0" err="1">
+                <a:latin typeface="Verdana" panose="020B0604030504040204" pitchFamily="34" charset="0"/>
+              </a:rPr>
+              <a:t>промяна</a:t>
+            </a:r>
+            <a:r>
+              <a:rPr lang="ru-RU" sz="2100" dirty="0">
+                <a:latin typeface="Verdana" panose="020B0604030504040204" pitchFamily="34" charset="0"/>
+              </a:rPr>
+              <a:t> на </a:t>
+            </a:r>
+            <a:r>
+              <a:rPr lang="ru-RU" sz="2100" dirty="0" err="1">
+                <a:latin typeface="Verdana" panose="020B0604030504040204" pitchFamily="34" charset="0"/>
+              </a:rPr>
+              <a:t>оригиналното</a:t>
+            </a:r>
+            <a:r>
+              <a:rPr lang="ru-RU" sz="2100" dirty="0">
+                <a:latin typeface="Verdana" panose="020B0604030504040204" pitchFamily="34" charset="0"/>
+              </a:rPr>
+              <a:t> им поведение, </a:t>
+            </a:r>
+            <a:r>
+              <a:rPr lang="ru-RU" sz="2100" dirty="0" err="1">
+                <a:latin typeface="Verdana" panose="020B0604030504040204" pitchFamily="34" charset="0"/>
+              </a:rPr>
+              <a:t>насле­дено</a:t>
+            </a:r>
+            <a:r>
+              <a:rPr lang="ru-RU" sz="2100" dirty="0">
+                <a:latin typeface="Verdana" panose="020B0604030504040204" pitchFamily="34" charset="0"/>
+              </a:rPr>
+              <a:t> от </a:t>
+            </a:r>
+            <a:r>
+              <a:rPr lang="ru-RU" sz="2100" dirty="0" err="1">
+                <a:latin typeface="Verdana" panose="020B0604030504040204" pitchFamily="34" charset="0"/>
+              </a:rPr>
+              <a:t>базовия</a:t>
+            </a:r>
+            <a:r>
+              <a:rPr lang="ru-RU" sz="2100" dirty="0">
+                <a:latin typeface="Verdana" panose="020B0604030504040204" pitchFamily="34" charset="0"/>
+              </a:rPr>
+              <a:t> </a:t>
+            </a:r>
+            <a:r>
+              <a:rPr lang="ru-RU" sz="2100" dirty="0" err="1">
+                <a:latin typeface="Verdana" panose="020B0604030504040204" pitchFamily="34" charset="0"/>
+              </a:rPr>
+              <a:t>клас</a:t>
+            </a:r>
+            <a:r>
+              <a:rPr lang="ru-RU" sz="2100" dirty="0">
+                <a:latin typeface="Verdana" panose="020B0604030504040204" pitchFamily="34" charset="0"/>
+              </a:rPr>
+              <a:t>. </a:t>
+            </a:r>
+            <a:r>
+              <a:rPr lang="ru-RU" sz="2100" dirty="0" err="1">
+                <a:latin typeface="Verdana" panose="020B0604030504040204" pitchFamily="34" charset="0"/>
+              </a:rPr>
+              <a:t>Абстракцията</a:t>
+            </a:r>
+            <a:r>
+              <a:rPr lang="ru-RU" sz="2100" dirty="0">
+                <a:latin typeface="Verdana" panose="020B0604030504040204" pitchFamily="34" charset="0"/>
+              </a:rPr>
+              <a:t> се </a:t>
+            </a:r>
+            <a:r>
+              <a:rPr lang="ru-RU" sz="2100" dirty="0" err="1">
+                <a:latin typeface="Verdana" panose="020B0604030504040204" pitchFamily="34" charset="0"/>
+              </a:rPr>
+              <a:t>свързва</a:t>
+            </a:r>
+            <a:r>
+              <a:rPr lang="ru-RU" sz="2100" dirty="0">
+                <a:latin typeface="Verdana" panose="020B0604030504040204" pitchFamily="34" charset="0"/>
+              </a:rPr>
+              <a:t> </a:t>
+            </a:r>
+            <a:r>
+              <a:rPr lang="ru-RU" sz="2100" dirty="0" err="1">
+                <a:latin typeface="Verdana" panose="020B0604030504040204" pitchFamily="34" charset="0"/>
+              </a:rPr>
+              <a:t>със</a:t>
+            </a:r>
+            <a:r>
+              <a:rPr lang="ru-RU" sz="2100" dirty="0">
+                <a:latin typeface="Verdana" panose="020B0604030504040204" pitchFamily="34" charset="0"/>
+              </a:rPr>
+              <a:t> </a:t>
+            </a:r>
+            <a:r>
+              <a:rPr lang="ru-RU" sz="2100" dirty="0" err="1">
+                <a:latin typeface="Verdana" panose="020B0604030504040204" pitchFamily="34" charset="0"/>
+              </a:rPr>
+              <a:t>създаването</a:t>
+            </a:r>
+            <a:r>
+              <a:rPr lang="ru-RU" sz="2100" dirty="0">
+                <a:latin typeface="Verdana" panose="020B0604030504040204" pitchFamily="34" charset="0"/>
+              </a:rPr>
+              <a:t> на интерфейс на компонент или </a:t>
+            </a:r>
+            <a:r>
+              <a:rPr lang="ru-RU" sz="2100" dirty="0" err="1">
+                <a:latin typeface="Verdana" panose="020B0604030504040204" pitchFamily="34" charset="0"/>
+              </a:rPr>
+              <a:t>функционалност</a:t>
+            </a:r>
+            <a:r>
+              <a:rPr lang="ru-RU" sz="2100" dirty="0">
+                <a:latin typeface="Verdana" panose="020B0604030504040204" pitchFamily="34" charset="0"/>
+              </a:rPr>
+              <a:t> (</a:t>
+            </a:r>
+            <a:r>
+              <a:rPr lang="ru-RU" sz="2100" dirty="0" err="1">
+                <a:latin typeface="Verdana" panose="020B0604030504040204" pitchFamily="34" charset="0"/>
+              </a:rPr>
+              <a:t>дефиниране</a:t>
+            </a:r>
+            <a:r>
+              <a:rPr lang="ru-RU" sz="2100" dirty="0">
+                <a:latin typeface="Verdana" panose="020B0604030504040204" pitchFamily="34" charset="0"/>
+              </a:rPr>
+              <a:t> на роля). </a:t>
+            </a:r>
+            <a:endParaRPr lang="ru-RU" sz="2100" dirty="0">
+              <a:effectLst/>
+            </a:endParaRPr>
+          </a:p>
+        </p:txBody>
+      </p:sp>
+    </p:spTree>
+    <p:extLst>
+      <p:ext uri="{BB962C8B-B14F-4D97-AF65-F5344CB8AC3E}">
+        <p14:creationId xmlns:p14="http://schemas.microsoft.com/office/powerpoint/2010/main" val="2118582663"/>
       </p:ext>
     </p:extLst>
   </p:cSld>
